--- a/AniMaple-動畫推薦.pptx
+++ b/AniMaple-動畫推薦.pptx
@@ -287,7 +287,7 @@
           <a:p>
             <a:fld id="{1160EA64-D806-43AC-9DF2-F8C432F32B4C}" type="datetimeFigureOut">
               <a:rPr lang="en-US" dirty="0"/>
-              <a:t>1/18/2021</a:t>
+              <a:t>1/19/2021</a:t>
             </a:fld>
             <a:endParaRPr lang="en-US" dirty="0"/>
           </a:p>
@@ -453,7 +453,7 @@
           <a:p>
             <a:fld id="{E9F9C37B-1D36-470B-8223-D6C91242EC14}" type="datetimeFigureOut">
               <a:rPr lang="en-US" dirty="0"/>
-              <a:t>1/18/2021</a:t>
+              <a:t>1/19/2021</a:t>
             </a:fld>
             <a:endParaRPr lang="en-US" dirty="0"/>
           </a:p>
@@ -628,7 +628,7 @@
           <a:p>
             <a:fld id="{67C6F52A-A82B-47A2-A83A-8C4C91F2D59F}" type="datetimeFigureOut">
               <a:rPr lang="en-US" dirty="0"/>
-              <a:t>1/18/2021</a:t>
+              <a:t>1/19/2021</a:t>
             </a:fld>
             <a:endParaRPr lang="en-US" dirty="0"/>
           </a:p>
@@ -793,7 +793,7 @@
           <a:p>
             <a:fld id="{F070A7B3-6521-4DCA-87E5-044747A908C1}" type="datetimeFigureOut">
               <a:rPr lang="en-US" dirty="0"/>
-              <a:t>1/18/2021</a:t>
+              <a:t>1/19/2021</a:t>
             </a:fld>
             <a:endParaRPr lang="en-US" dirty="0"/>
           </a:p>
@@ -1057,7 +1057,7 @@
           <a:p>
             <a:fld id="{1160EA64-D806-43AC-9DF2-F8C432F32B4C}" type="datetimeFigureOut">
               <a:rPr lang="en-US" dirty="0"/>
-              <a:t>1/18/2021</a:t>
+              <a:t>1/19/2021</a:t>
             </a:fld>
             <a:endParaRPr lang="en-US" dirty="0"/>
           </a:p>
@@ -1285,7 +1285,7 @@
           <a:p>
             <a:fld id="{AB134690-1557-4C89-A502-4959FE7FAD70}" type="datetimeFigureOut">
               <a:rPr lang="en-US" dirty="0"/>
-              <a:t>1/18/2021</a:t>
+              <a:t>1/19/2021</a:t>
             </a:fld>
             <a:endParaRPr lang="en-US" dirty="0"/>
           </a:p>
@@ -1639,7 +1639,7 @@
           <a:p>
             <a:fld id="{4F7D4976-E339-4826-83B7-FBD03F55ECF8}" type="datetimeFigureOut">
               <a:rPr lang="en-US" dirty="0"/>
-              <a:t>1/18/2021</a:t>
+              <a:t>1/19/2021</a:t>
             </a:fld>
             <a:endParaRPr lang="en-US" dirty="0"/>
           </a:p>
@@ -1775,7 +1775,7 @@
           <a:p>
             <a:fld id="{E1037C31-9E7A-4F99-8774-A0E530DE1A42}" type="datetimeFigureOut">
               <a:rPr lang="en-US" dirty="0"/>
-              <a:t>1/18/2021</a:t>
+              <a:t>1/19/2021</a:t>
             </a:fld>
             <a:endParaRPr lang="en-US" dirty="0"/>
           </a:p>
@@ -1865,7 +1865,7 @@
           <a:p>
             <a:fld id="{C278504F-A551-4DE0-9316-4DCD1D8CC752}" type="datetimeFigureOut">
               <a:rPr lang="en-US" dirty="0"/>
-              <a:t>1/18/2021</a:t>
+              <a:t>1/19/2021</a:t>
             </a:fld>
             <a:endParaRPr lang="en-US" dirty="0"/>
           </a:p>
@@ -2217,7 +2217,7 @@
           <a:p>
             <a:fld id="{D1BE4249-C0D0-4B06-8692-E8BB871AF643}" type="datetimeFigureOut">
               <a:rPr lang="en-US" dirty="0"/>
-              <a:t>1/18/2021</a:t>
+              <a:t>1/19/2021</a:t>
             </a:fld>
             <a:endParaRPr lang="en-US" dirty="0"/>
           </a:p>
@@ -2569,7 +2569,7 @@
           <a:p>
             <a:fld id="{042B0DB6-F5C7-45FB-8CF3-31B45F9C2DAC}" type="datetimeFigureOut">
               <a:rPr lang="en-US" dirty="0"/>
-              <a:t>1/18/2021</a:t>
+              <a:t>1/19/2021</a:t>
             </a:fld>
             <a:endParaRPr lang="en-US" dirty="0"/>
           </a:p>
@@ -2806,7 +2806,7 @@
           <a:p>
             <a:fld id="{1160EA64-D806-43AC-9DF2-F8C432F32B4C}" type="datetimeFigureOut">
               <a:rPr lang="en-US" dirty="0"/>
-              <a:t>1/18/2021</a:t>
+              <a:t>1/19/2021</a:t>
             </a:fld>
             <a:endParaRPr lang="en-US" dirty="0"/>
           </a:p>
@@ -3296,7 +3296,14 @@
               <a:rPr lang="ja-JP" altLang="en-US" dirty="0"/>
               <a:t>アニメイプル</a:t>
             </a:r>
-            <a:endParaRPr lang="zh-TW" altLang="en-US" dirty="0"/>
+            <a:r>
+              <a:rPr lang="en-US" altLang="ja-JP" dirty="0"/>
+              <a:t>-</a:t>
+            </a:r>
+            <a:r>
+              <a:rPr lang="zh-TW" altLang="en-US" dirty="0"/>
+              <a:t>動畫推薦</a:t>
+            </a:r>
           </a:p>
         </p:txBody>
       </p:sp>
@@ -3350,6 +3357,304 @@
             <a:r>
               <a:rPr lang="zh-TW" altLang="en-US" sz="2400" dirty="0"/>
               <a:t>俞浩君</a:t>
+            </a:r>
+          </a:p>
+        </p:txBody>
+      </p:sp>
+      <p:sp>
+        <p:nvSpPr>
+          <p:cNvPr id="4" name="文字方塊 3">
+            <a:extLst>
+              <a:ext uri="{FF2B5EF4-FFF2-40B4-BE49-F238E27FC236}">
+                <a16:creationId xmlns:a16="http://schemas.microsoft.com/office/drawing/2014/main" id="{FDF5AF15-9C52-48D9-AC72-87086D4E1625}"/>
+              </a:ext>
+            </a:extLst>
+          </p:cNvPr>
+          <p:cNvSpPr txBox="1"/>
+          <p:nvPr/>
+        </p:nvSpPr>
+        <p:spPr>
+          <a:xfrm>
+            <a:off x="4998128" y="5379868"/>
+            <a:ext cx="6801612" cy="1029810"/>
+          </a:xfrm>
+          <a:prstGeom prst="rect">
+            <a:avLst/>
+          </a:prstGeom>
+          <a:noFill/>
+        </p:spPr>
+        <p:txBody>
+          <a:bodyPr wrap="square" rtlCol="0">
+            <a:spAutoFit/>
+          </a:bodyPr>
+          <a:lstStyle/>
+          <a:p>
+            <a:endParaRPr lang="zh-TW" altLang="en-US" dirty="0"/>
+          </a:p>
+        </p:txBody>
+      </p:sp>
+      <p:sp>
+        <p:nvSpPr>
+          <p:cNvPr id="5" name="副標題 2">
+            <a:extLst>
+              <a:ext uri="{FF2B5EF4-FFF2-40B4-BE49-F238E27FC236}">
+                <a16:creationId xmlns:a16="http://schemas.microsoft.com/office/drawing/2014/main" id="{8B5515C7-7B34-4632-8FAA-CE3A9C7DCC1B}"/>
+              </a:ext>
+            </a:extLst>
+          </p:cNvPr>
+          <p:cNvSpPr txBox="1">
+            <a:spLocks/>
+          </p:cNvSpPr>
+          <p:nvPr/>
+        </p:nvSpPr>
+        <p:spPr>
+          <a:xfrm>
+            <a:off x="5555284" y="5748092"/>
+            <a:ext cx="6801612" cy="803628"/>
+          </a:xfrm>
+          <a:prstGeom prst="rect">
+            <a:avLst/>
+          </a:prstGeom>
+          <a:noFill/>
+        </p:spPr>
+        <p:txBody>
+          <a:bodyPr vert="horz" lIns="91440" tIns="45720" rIns="91440" bIns="45720" rtlCol="0">
+            <a:normAutofit lnSpcReduction="10000"/>
+          </a:bodyPr>
+          <a:lstStyle>
+            <a:lvl1pPr marL="0" indent="0" algn="ctr" defTabSz="914400" rtl="0" eaLnBrk="1" latinLnBrk="0" hangingPunct="1">
+              <a:lnSpc>
+                <a:spcPct val="100000"/>
+              </a:lnSpc>
+              <a:spcBef>
+                <a:spcPts val="1000"/>
+              </a:spcBef>
+              <a:buClr>
+                <a:schemeClr val="accent2"/>
+              </a:buClr>
+              <a:buFont typeface="Arial" panose="020B0604020202020204" pitchFamily="34" charset="0"/>
+              <a:buNone/>
+              <a:defRPr sz="2000" kern="1200">
+                <a:solidFill>
+                  <a:schemeClr val="tx1">
+                    <a:lumMod val="75000"/>
+                    <a:lumOff val="25000"/>
+                  </a:schemeClr>
+                </a:solidFill>
+                <a:latin typeface="+mn-lt"/>
+                <a:ea typeface="+mn-ea"/>
+                <a:cs typeface="+mn-cs"/>
+              </a:defRPr>
+            </a:lvl1pPr>
+            <a:lvl2pPr marL="457200" indent="0" algn="ctr" defTabSz="914400" rtl="0" eaLnBrk="1" latinLnBrk="0" hangingPunct="1">
+              <a:lnSpc>
+                <a:spcPct val="100000"/>
+              </a:lnSpc>
+              <a:spcBef>
+                <a:spcPts val="1000"/>
+              </a:spcBef>
+              <a:buClr>
+                <a:schemeClr val="accent2"/>
+              </a:buClr>
+              <a:buFont typeface="Arial" panose="020B0604020202020204" pitchFamily="34" charset="0"/>
+              <a:buNone/>
+              <a:defRPr sz="2000" kern="1200">
+                <a:solidFill>
+                  <a:schemeClr val="tx1">
+                    <a:lumMod val="85000"/>
+                    <a:lumOff val="15000"/>
+                  </a:schemeClr>
+                </a:solidFill>
+                <a:latin typeface="+mn-lt"/>
+                <a:ea typeface="+mn-ea"/>
+                <a:cs typeface="+mn-cs"/>
+              </a:defRPr>
+            </a:lvl2pPr>
+            <a:lvl3pPr marL="914400" indent="0" algn="ctr" defTabSz="914400" rtl="0" eaLnBrk="1" latinLnBrk="0" hangingPunct="1">
+              <a:lnSpc>
+                <a:spcPct val="100000"/>
+              </a:lnSpc>
+              <a:spcBef>
+                <a:spcPts val="1000"/>
+              </a:spcBef>
+              <a:buClr>
+                <a:schemeClr val="accent2"/>
+              </a:buClr>
+              <a:buFont typeface="Arial" panose="020B0604020202020204" pitchFamily="34" charset="0"/>
+              <a:buNone/>
+              <a:defRPr sz="1800" kern="1200">
+                <a:solidFill>
+                  <a:schemeClr val="tx1">
+                    <a:lumMod val="85000"/>
+                    <a:lumOff val="15000"/>
+                  </a:schemeClr>
+                </a:solidFill>
+                <a:latin typeface="+mn-lt"/>
+                <a:ea typeface="+mn-ea"/>
+                <a:cs typeface="+mn-cs"/>
+              </a:defRPr>
+            </a:lvl3pPr>
+            <a:lvl4pPr marL="1371600" indent="0" algn="ctr" defTabSz="914400" rtl="0" eaLnBrk="1" latinLnBrk="0" hangingPunct="1">
+              <a:lnSpc>
+                <a:spcPct val="100000"/>
+              </a:lnSpc>
+              <a:spcBef>
+                <a:spcPts val="1000"/>
+              </a:spcBef>
+              <a:buClr>
+                <a:schemeClr val="accent2"/>
+              </a:buClr>
+              <a:buFont typeface="Arial" panose="020B0604020202020204" pitchFamily="34" charset="0"/>
+              <a:buNone/>
+              <a:defRPr sz="1600" kern="1200">
+                <a:solidFill>
+                  <a:schemeClr val="tx1">
+                    <a:lumMod val="85000"/>
+                    <a:lumOff val="15000"/>
+                  </a:schemeClr>
+                </a:solidFill>
+                <a:latin typeface="+mn-lt"/>
+                <a:ea typeface="+mn-ea"/>
+                <a:cs typeface="+mn-cs"/>
+              </a:defRPr>
+            </a:lvl4pPr>
+            <a:lvl5pPr marL="1828800" indent="0" algn="ctr" defTabSz="914400" rtl="0" eaLnBrk="1" latinLnBrk="0" hangingPunct="1">
+              <a:lnSpc>
+                <a:spcPct val="100000"/>
+              </a:lnSpc>
+              <a:spcBef>
+                <a:spcPts val="1000"/>
+              </a:spcBef>
+              <a:buClr>
+                <a:schemeClr val="accent2"/>
+              </a:buClr>
+              <a:buFont typeface="Arial" panose="020B0604020202020204" pitchFamily="34" charset="0"/>
+              <a:buNone/>
+              <a:defRPr sz="1600" kern="1200">
+                <a:solidFill>
+                  <a:schemeClr val="tx1">
+                    <a:lumMod val="85000"/>
+                    <a:lumOff val="15000"/>
+                  </a:schemeClr>
+                </a:solidFill>
+                <a:latin typeface="+mn-lt"/>
+                <a:ea typeface="+mn-ea"/>
+                <a:cs typeface="+mn-cs"/>
+              </a:defRPr>
+            </a:lvl5pPr>
+            <a:lvl6pPr marL="2286000" indent="0" algn="ctr" defTabSz="914400" rtl="0" eaLnBrk="1" latinLnBrk="0" hangingPunct="1">
+              <a:lnSpc>
+                <a:spcPct val="100000"/>
+              </a:lnSpc>
+              <a:spcBef>
+                <a:spcPts val="1000"/>
+              </a:spcBef>
+              <a:buClr>
+                <a:schemeClr val="accent2"/>
+              </a:buClr>
+              <a:buFont typeface="Arial" panose="020B0604020202020204" pitchFamily="34" charset="0"/>
+              <a:buNone/>
+              <a:defRPr sz="1600" kern="1200">
+                <a:solidFill>
+                  <a:schemeClr val="tx1"/>
+                </a:solidFill>
+                <a:latin typeface="+mn-lt"/>
+                <a:ea typeface="+mn-ea"/>
+                <a:cs typeface="+mn-cs"/>
+              </a:defRPr>
+            </a:lvl6pPr>
+            <a:lvl7pPr marL="2743200" indent="0" algn="ctr" defTabSz="914400" rtl="0" eaLnBrk="1" latinLnBrk="0" hangingPunct="1">
+              <a:lnSpc>
+                <a:spcPct val="100000"/>
+              </a:lnSpc>
+              <a:spcBef>
+                <a:spcPts val="1000"/>
+              </a:spcBef>
+              <a:buClr>
+                <a:schemeClr val="accent2"/>
+              </a:buClr>
+              <a:buFont typeface="Arial" panose="020B0604020202020204" pitchFamily="34" charset="0"/>
+              <a:buNone/>
+              <a:defRPr sz="1600" kern="1200">
+                <a:solidFill>
+                  <a:schemeClr val="tx1"/>
+                </a:solidFill>
+                <a:latin typeface="+mn-lt"/>
+                <a:ea typeface="+mn-ea"/>
+                <a:cs typeface="+mn-cs"/>
+              </a:defRPr>
+            </a:lvl7pPr>
+            <a:lvl8pPr marL="3200400" indent="0" algn="ctr" defTabSz="914400" rtl="0" eaLnBrk="1" latinLnBrk="0" hangingPunct="1">
+              <a:lnSpc>
+                <a:spcPct val="100000"/>
+              </a:lnSpc>
+              <a:spcBef>
+                <a:spcPts val="1000"/>
+              </a:spcBef>
+              <a:buClr>
+                <a:schemeClr val="accent2"/>
+              </a:buClr>
+              <a:buFont typeface="Arial" panose="020B0604020202020204" pitchFamily="34" charset="0"/>
+              <a:buNone/>
+              <a:defRPr sz="1600" kern="1200" baseline="0">
+                <a:solidFill>
+                  <a:schemeClr val="tx1"/>
+                </a:solidFill>
+                <a:latin typeface="+mn-lt"/>
+                <a:ea typeface="+mn-ea"/>
+                <a:cs typeface="+mn-cs"/>
+              </a:defRPr>
+            </a:lvl8pPr>
+            <a:lvl9pPr marL="3657600" indent="0" algn="ctr" defTabSz="914400" rtl="0" eaLnBrk="1" latinLnBrk="0" hangingPunct="1">
+              <a:lnSpc>
+                <a:spcPct val="100000"/>
+              </a:lnSpc>
+              <a:spcBef>
+                <a:spcPts val="1000"/>
+              </a:spcBef>
+              <a:buClr>
+                <a:schemeClr val="accent2"/>
+              </a:buClr>
+              <a:buFont typeface="Arial" panose="020B0604020202020204" pitchFamily="34" charset="0"/>
+              <a:buNone/>
+              <a:defRPr sz="1600" kern="1200" baseline="0">
+                <a:solidFill>
+                  <a:schemeClr val="tx1"/>
+                </a:solidFill>
+                <a:latin typeface="+mn-lt"/>
+                <a:ea typeface="+mn-ea"/>
+                <a:cs typeface="+mn-cs"/>
+              </a:defRPr>
+            </a:lvl9pPr>
+          </a:lstStyle>
+          <a:p>
+            <a:pPr algn="l"/>
+            <a:r>
+              <a:rPr lang="zh-TW" altLang="en-US" sz="2400" dirty="0"/>
+              <a:t>專案原始碼：</a:t>
+            </a:r>
+            <a:r>
+              <a:rPr lang="en-US" altLang="zh-TW" sz="2400" dirty="0">
+                <a:solidFill>
+                  <a:srgbClr val="FF0000"/>
+                </a:solidFill>
+                <a:hlinkClick r:id="rId2">
+                  <a:extLst>
+                    <a:ext uri="{A12FA001-AC4F-418D-AE19-62706E023703}">
+                      <ahyp:hlinkClr xmlns:ahyp="http://schemas.microsoft.com/office/drawing/2018/hyperlinkcolor" val="tx"/>
+                    </a:ext>
+                  </a:extLst>
+                </a:hlinkClick>
+              </a:rPr>
+              <a:t>https://github.com/k34425707/webpage</a:t>
+            </a:r>
+            <a:r>
+              <a:rPr lang="zh-TW" altLang="en-US" sz="2400" dirty="0">
+                <a:solidFill>
+                  <a:srgbClr val="FF0000"/>
+                </a:solidFill>
+              </a:rPr>
+              <a:t>　</a:t>
             </a:r>
           </a:p>
         </p:txBody>
@@ -3759,8 +4064,8 @@
           </a:p>
         </p:txBody>
       </p:sp>
-      <mc:AlternateContent xmlns:mc="http://schemas.openxmlformats.org/markup-compatibility/2006">
-        <mc:Choice xmlns:a14="http://schemas.microsoft.com/office/drawing/2010/main" Requires="a14">
+      <mc:AlternateContent xmlns:mc="http://schemas.openxmlformats.org/markup-compatibility/2006" xmlns:a14="http://schemas.microsoft.com/office/drawing/2010/main">
+        <mc:Choice Requires="a14">
           <p:sp>
             <p:nvSpPr>
               <p:cNvPr id="10" name="矩形: 圓角 9">
@@ -3854,7 +4159,7 @@
             </p:txBody>
           </p:sp>
         </mc:Choice>
-        <mc:Fallback>
+        <mc:Fallback xmlns="">
           <p:sp>
             <p:nvSpPr>
               <p:cNvPr id="10" name="矩形: 圓角 9">
@@ -4220,8 +4525,8 @@
           </a:p>
         </p:txBody>
       </p:sp>
-      <mc:AlternateContent xmlns:mc="http://schemas.openxmlformats.org/markup-compatibility/2006">
-        <mc:Choice xmlns:a14="http://schemas.microsoft.com/office/drawing/2010/main" Requires="a14">
+      <mc:AlternateContent xmlns:mc="http://schemas.openxmlformats.org/markup-compatibility/2006" xmlns:a14="http://schemas.microsoft.com/office/drawing/2010/main">
+        <mc:Choice Requires="a14">
           <p:sp>
             <p:nvSpPr>
               <p:cNvPr id="19" name="矩形: 圓角 18">
@@ -4299,7 +4604,7 @@
             </p:txBody>
           </p:sp>
         </mc:Choice>
-        <mc:Fallback>
+        <mc:Fallback xmlns="">
           <p:sp>
             <p:nvSpPr>
               <p:cNvPr id="19" name="矩形: 圓角 18">
@@ -4629,8 +4934,8 @@
           </a:p>
         </p:txBody>
       </p:sp>
-      <mc:AlternateContent xmlns:mc="http://schemas.openxmlformats.org/markup-compatibility/2006">
-        <mc:Choice xmlns:a14="http://schemas.microsoft.com/office/drawing/2010/main" Requires="a14">
+      <mc:AlternateContent xmlns:mc="http://schemas.openxmlformats.org/markup-compatibility/2006" xmlns:a14="http://schemas.microsoft.com/office/drawing/2010/main">
+        <mc:Choice Requires="a14">
           <p:sp>
             <p:nvSpPr>
               <p:cNvPr id="4" name="矩形: 圓角 3">
@@ -4724,7 +5029,7 @@
             </p:txBody>
           </p:sp>
         </mc:Choice>
-        <mc:Fallback>
+        <mc:Fallback xmlns="">
           <p:sp>
             <p:nvSpPr>
               <p:cNvPr id="4" name="矩形: 圓角 3">
@@ -7635,8 +7940,8 @@
           </a:p>
         </p:txBody>
       </p:sp>
-      <mc:AlternateContent xmlns:mc="http://schemas.openxmlformats.org/markup-compatibility/2006">
-        <mc:Choice xmlns:a14="http://schemas.microsoft.com/office/drawing/2010/main" Requires="a14">
+      <mc:AlternateContent xmlns:mc="http://schemas.openxmlformats.org/markup-compatibility/2006" xmlns:a14="http://schemas.microsoft.com/office/drawing/2010/main">
+        <mc:Choice Requires="a14">
           <p:sp>
             <p:nvSpPr>
               <p:cNvPr id="39" name="文字方塊 38">
@@ -7780,7 +8085,7 @@
             </p:txBody>
           </p:sp>
         </mc:Choice>
-        <mc:Fallback>
+        <mc:Fallback xmlns="">
           <p:sp>
             <p:nvSpPr>
               <p:cNvPr id="39" name="文字方塊 38">
@@ -10481,8 +10786,8 @@
           </a:p>
         </p:txBody>
       </p:sp>
-      <mc:AlternateContent xmlns:mc="http://schemas.openxmlformats.org/markup-compatibility/2006">
-        <mc:Choice xmlns:a14="http://schemas.microsoft.com/office/drawing/2010/main" Requires="a14">
+      <mc:AlternateContent xmlns:mc="http://schemas.openxmlformats.org/markup-compatibility/2006" xmlns:a14="http://schemas.microsoft.com/office/drawing/2010/main">
+        <mc:Choice Requires="a14">
           <p:sp>
             <p:nvSpPr>
               <p:cNvPr id="31" name="文字方塊 30">
@@ -10712,7 +11017,7 @@
             </p:txBody>
           </p:sp>
         </mc:Choice>
-        <mc:Fallback>
+        <mc:Fallback xmlns="">
           <p:sp>
             <p:nvSpPr>
               <p:cNvPr id="31" name="文字方塊 30">
@@ -10757,8 +11062,8 @@
           </p:sp>
         </mc:Fallback>
       </mc:AlternateContent>
-      <mc:AlternateContent xmlns:mc="http://schemas.openxmlformats.org/markup-compatibility/2006">
-        <mc:Choice xmlns:a14="http://schemas.microsoft.com/office/drawing/2010/main" Requires="a14">
+      <mc:AlternateContent xmlns:mc="http://schemas.openxmlformats.org/markup-compatibility/2006" xmlns:a14="http://schemas.microsoft.com/office/drawing/2010/main">
+        <mc:Choice Requires="a14">
           <p:sp>
             <p:nvSpPr>
               <p:cNvPr id="29" name="文字方塊 28">
@@ -10878,7 +11183,6 @@
                 <a:endParaRPr lang="en-US" altLang="zh-TW" dirty="0"/>
               </a:p>
               <a:p>
-                <a:pPr/>
                 <a14:m>
                   <m:oMath xmlns:m="http://schemas.openxmlformats.org/officeDocument/2006/math">
                     <m:sSub>
@@ -11015,11 +11319,9 @@
                 <a:endParaRPr lang="en-US" altLang="zh-TW" dirty="0"/>
               </a:p>
               <a:p>
-                <a:pPr/>
                 <a:endParaRPr lang="en-US" altLang="zh-TW" dirty="0"/>
               </a:p>
               <a:p>
-                <a:pPr/>
                 <a:r>
                   <a:rPr lang="zh-TW" altLang="en-US" dirty="0"/>
                   <a:t>生成矩陣的時間複雜度約為</a:t>
@@ -11079,7 +11381,7 @@
             </p:txBody>
           </p:sp>
         </mc:Choice>
-        <mc:Fallback>
+        <mc:Fallback xmlns="">
           <p:sp>
             <p:nvSpPr>
               <p:cNvPr id="29" name="文字方塊 28">
@@ -11367,8 +11669,8 @@
           </a:p>
         </p:txBody>
       </p:sp>
-      <mc:AlternateContent xmlns:mc="http://schemas.openxmlformats.org/markup-compatibility/2006">
-        <mc:Choice xmlns:a14="http://schemas.microsoft.com/office/drawing/2010/main" Requires="a14">
+      <mc:AlternateContent xmlns:mc="http://schemas.openxmlformats.org/markup-compatibility/2006" xmlns:a14="http://schemas.microsoft.com/office/drawing/2010/main">
+        <mc:Choice Requires="a14">
           <p:sp>
             <p:nvSpPr>
               <p:cNvPr id="31" name="文字方塊 30">
@@ -11813,7 +12115,7 @@
             </p:txBody>
           </p:sp>
         </mc:Choice>
-        <mc:Fallback>
+        <mc:Fallback xmlns="">
           <p:sp>
             <p:nvSpPr>
               <p:cNvPr id="31" name="文字方塊 30">
